--- a/results/figures/pptx/impact_education.pptx
+++ b/results/figures/pptx/impact_education.pptx
@@ -2314,7 +2314,7 @@
           </p:nvSpPr>
           <p:spPr>
             <a:xfrm>
-              <a:off x="1006499" y="4939048"/>
+              <a:off x="1006499" y="4629108"/>
               <a:ext cx="7591732" cy="0"/>
             </a:xfrm>
             <a:custGeom>
@@ -2357,7 +2357,7 @@
           </p:nvSpPr>
           <p:spPr>
             <a:xfrm>
-              <a:off x="1006499" y="3789270"/>
+              <a:off x="1006499" y="3169389"/>
               <a:ext cx="7591732" cy="0"/>
             </a:xfrm>
             <a:custGeom>
@@ -2400,7 +2400,7 @@
           </p:nvSpPr>
           <p:spPr>
             <a:xfrm>
-              <a:off x="1006499" y="2639491"/>
+              <a:off x="1006499" y="1709670"/>
               <a:ext cx="7591732" cy="0"/>
             </a:xfrm>
             <a:custGeom>
@@ -2437,40 +2437,23 @@
         </p:sp>
         <p:sp>
           <p:nvSpPr>
-            <p:cNvPr id="8" name="pl8"/>
-            <p:cNvSpPr/>
-            <p:nvPr/>
-          </p:nvSpPr>
-          <p:spPr>
-            <a:xfrm>
-              <a:off x="1006499" y="1489713"/>
-              <a:ext cx="7591732" cy="0"/>
-            </a:xfrm>
-            <a:custGeom>
-              <a:avLst/>
-              <a:pathLst>
-                <a:path w="7591732" h="0">
-                  <a:moveTo>
-                    <a:pt x="0" y="0"/>
-                  </a:moveTo>
-                  <a:lnTo>
-                    <a:pt x="7591732" y="0"/>
-                  </a:lnTo>
-                  <a:lnTo>
-                    <a:pt x="7591732" y="0"/>
-                  </a:lnTo>
-                </a:path>
-              </a:pathLst>
-            </a:custGeom>
-            <a:ln w="2710" cap="flat">
-              <a:solidFill>
-                <a:srgbClr val="CCCCCC">
-                  <a:alpha val="100000"/>
-                </a:srgbClr>
-              </a:solidFill>
-              <a:prstDash val="solid"/>
-              <a:round/>
-            </a:ln>
+            <p:cNvPr id="8" name="rc8"/>
+            <p:cNvSpPr/>
+            <p:nvPr/>
+          </p:nvSpPr>
+          <p:spPr>
+            <a:xfrm>
+              <a:off x="1164660" y="5888865"/>
+              <a:ext cx="948966" cy="199961"/>
+            </a:xfrm>
+            <a:prstGeom prst="rect">
+              <a:avLst/>
+            </a:prstGeom>
+            <a:solidFill>
+              <a:srgbClr val="B0BEC5">
+                <a:alpha val="100000"/>
+              </a:srgbClr>
+            </a:solidFill>
           </p:spPr>
           <p:txBody>
             <a:bodyPr/>
@@ -2486,8 +2469,34 @@
           </p:nvSpPr>
           <p:spPr>
             <a:xfrm>
-              <a:off x="1190170" y="2989424"/>
-              <a:ext cx="1102025" cy="3099402"/>
+              <a:off x="2219067" y="2989424"/>
+              <a:ext cx="948966" cy="3099402"/>
+            </a:xfrm>
+            <a:prstGeom prst="rect">
+              <a:avLst/>
+            </a:prstGeom>
+            <a:solidFill>
+              <a:srgbClr val="B0BEC5">
+                <a:alpha val="100000"/>
+              </a:srgbClr>
+            </a:solidFill>
+          </p:spPr>
+          <p:txBody>
+            <a:bodyPr/>
+            <a:lstStyle/>
+            <a:p/>
+          </p:txBody>
+        </p:sp>
+        <p:sp>
+          <p:nvSpPr>
+            <p:cNvPr id="10" name="rc10"/>
+            <p:cNvSpPr/>
+            <p:nvPr/>
+          </p:nvSpPr>
+          <p:spPr>
+            <a:xfrm>
+              <a:off x="3273475" y="2989424"/>
+              <a:ext cx="948966" cy="3099402"/>
             </a:xfrm>
             <a:prstGeom prst="rect">
               <a:avLst/>
@@ -2506,20 +2515,20 @@
         </p:sp>
         <p:sp>
           <p:nvSpPr>
-            <p:cNvPr id="10" name="rc10"/>
-            <p:cNvSpPr/>
-            <p:nvPr/>
-          </p:nvSpPr>
-          <p:spPr>
-            <a:xfrm>
-              <a:off x="2414643" y="5388961"/>
-              <a:ext cx="1102025" cy="699865"/>
+            <p:cNvPr id="11" name="rc11"/>
+            <p:cNvSpPr/>
+            <p:nvPr/>
+          </p:nvSpPr>
+          <p:spPr>
+            <a:xfrm>
+              <a:off x="4327882" y="5388961"/>
+              <a:ext cx="948966" cy="699865"/>
             </a:xfrm>
             <a:prstGeom prst="rect">
               <a:avLst/>
             </a:prstGeom>
             <a:solidFill>
-              <a:srgbClr val="43AA70">
+              <a:srgbClr val="8BC34A">
                 <a:alpha val="100000"/>
               </a:srgbClr>
             </a:solidFill>
@@ -2532,20 +2541,20 @@
         </p:sp>
         <p:sp>
           <p:nvSpPr>
-            <p:cNvPr id="11" name="rc11"/>
-            <p:cNvSpPr/>
-            <p:nvPr/>
-          </p:nvSpPr>
-          <p:spPr>
-            <a:xfrm>
-              <a:off x="3639116" y="4189193"/>
-              <a:ext cx="1102025" cy="1899633"/>
+            <p:cNvPr id="12" name="rc12"/>
+            <p:cNvSpPr/>
+            <p:nvPr/>
+          </p:nvSpPr>
+          <p:spPr>
+            <a:xfrm>
+              <a:off x="5382289" y="4189193"/>
+              <a:ext cx="948966" cy="1899633"/>
             </a:xfrm>
             <a:prstGeom prst="rect">
               <a:avLst/>
             </a:prstGeom>
             <a:solidFill>
-              <a:srgbClr val="B7B924">
+              <a:srgbClr val="FFC107">
                 <a:alpha val="100000"/>
               </a:srgbClr>
             </a:solidFill>
@@ -2558,20 +2567,20 @@
         </p:sp>
         <p:sp>
           <p:nvSpPr>
-            <p:cNvPr id="12" name="rc12"/>
-            <p:cNvSpPr/>
-            <p:nvPr/>
-          </p:nvSpPr>
-          <p:spPr>
-            <a:xfrm>
-              <a:off x="4863589" y="4189193"/>
-              <a:ext cx="1102025" cy="1899633"/>
+            <p:cNvPr id="13" name="rc13"/>
+            <p:cNvSpPr/>
+            <p:nvPr/>
+          </p:nvSpPr>
+          <p:spPr>
+            <a:xfrm>
+              <a:off x="6436697" y="4189193"/>
+              <a:ext cx="948966" cy="1899633"/>
             </a:xfrm>
             <a:prstGeom prst="rect">
               <a:avLst/>
             </a:prstGeom>
             <a:solidFill>
-              <a:srgbClr val="D7834A">
+              <a:srgbClr val="FF9800">
                 <a:alpha val="100000"/>
               </a:srgbClr>
             </a:solidFill>
@@ -2584,40 +2593,14 @@
         </p:sp>
         <p:sp>
           <p:nvSpPr>
-            <p:cNvPr id="13" name="rc13"/>
-            <p:cNvSpPr/>
-            <p:nvPr/>
-          </p:nvSpPr>
-          <p:spPr>
-            <a:xfrm>
-              <a:off x="6088062" y="2389539"/>
-              <a:ext cx="1102025" cy="3699287"/>
-            </a:xfrm>
-            <a:prstGeom prst="rect">
-              <a:avLst/>
-            </a:prstGeom>
-            <a:solidFill>
-              <a:srgbClr val="AD2C97">
-                <a:alpha val="100000"/>
-              </a:srgbClr>
-            </a:solidFill>
-          </p:spPr>
-          <p:txBody>
-            <a:bodyPr/>
-            <a:lstStyle/>
-            <a:p/>
-          </p:txBody>
-        </p:sp>
-        <p:sp>
-          <p:nvSpPr>
             <p:cNvPr id="14" name="rc14"/>
             <p:cNvSpPr/>
             <p:nvPr/>
           </p:nvSpPr>
           <p:spPr>
             <a:xfrm>
-              <a:off x="7312535" y="5888865"/>
-              <a:ext cx="1102025" cy="199961"/>
+              <a:off x="7491104" y="2389539"/>
+              <a:ext cx="948966" cy="3699287"/>
             </a:xfrm>
             <a:prstGeom prst="rect">
               <a:avLst/>
@@ -2642,7 +2625,99 @@
           </p:nvSpPr>
           <p:spPr>
             <a:xfrm>
-              <a:off x="1640700" y="2402346"/>
+              <a:off x="1588902" y="5304082"/>
+              <a:ext cx="100482" cy="129860"/>
+            </a:xfrm>
+            <a:prstGeom prst="rect">
+              <a:avLst/>
+            </a:prstGeom>
+            <a:noFill/>
+          </p:spPr>
+          <p:txBody>
+            <a:bodyPr lIns="0" rIns="0" tIns="0" bIns="0" anchorCtr="1" anchor="ctr" wrap="none"/>
+            <a:lstStyle/>
+            <a:p>
+              <a:pPr algn="l" marL="0" marR="0" indent="0">
+                <a:lnSpc>
+                  <a:spcPts val="1422"/>
+                </a:lnSpc>
+                <a:spcBef>
+                  <a:spcPts val="0"/>
+                </a:spcBef>
+                <a:spcAft>
+                  <a:spcPts val="0"/>
+                </a:spcAft>
+              </a:pPr>
+              <a:r>
+                <a:rPr sz="1422">
+                  <a:solidFill>
+                    <a:srgbClr val="000000">
+                      <a:alpha val="100000"/>
+                    </a:srgbClr>
+                  </a:solidFill>
+                  <a:latin typeface="Arial"/>
+                  <a:cs typeface="Arial"/>
+                </a:rPr>
+                <a:t>2</a:t>
+              </a:r>
+            </a:p>
+          </p:txBody>
+        </p:sp>
+        <p:sp>
+          <p:nvSpPr>
+            <p:cNvPr id="16" name="tx16"/>
+            <p:cNvSpPr/>
+            <p:nvPr/>
+          </p:nvSpPr>
+          <p:spPr>
+            <a:xfrm>
+              <a:off x="1448411" y="5524554"/>
+              <a:ext cx="381464" cy="169559"/>
+            </a:xfrm>
+            <a:prstGeom prst="rect">
+              <a:avLst/>
+            </a:prstGeom>
+            <a:noFill/>
+          </p:spPr>
+          <p:txBody>
+            <a:bodyPr lIns="0" rIns="0" tIns="0" bIns="0" anchorCtr="1" anchor="ctr" wrap="none"/>
+            <a:lstStyle/>
+            <a:p>
+              <a:pPr algn="l" marL="0" marR="0" indent="0">
+                <a:lnSpc>
+                  <a:spcPts val="1422"/>
+                </a:lnSpc>
+                <a:spcBef>
+                  <a:spcPts val="0"/>
+                </a:spcBef>
+                <a:spcAft>
+                  <a:spcPts val="0"/>
+                </a:spcAft>
+              </a:pPr>
+              <a:r>
+                <a:rPr sz="1422">
+                  <a:solidFill>
+                    <a:srgbClr val="000000">
+                      <a:alpha val="100000"/>
+                    </a:srgbClr>
+                  </a:solidFill>
+                  <a:latin typeface="Arial"/>
+                  <a:cs typeface="Arial"/>
+                </a:rPr>
+                <a:t>(1%)</a:t>
+              </a:r>
+            </a:p>
+          </p:txBody>
+        </p:sp>
+        <p:sp>
+          <p:nvSpPr>
+            <p:cNvPr id="17" name="tx17"/>
+            <p:cNvSpPr/>
+            <p:nvPr/>
+          </p:nvSpPr>
+          <p:spPr>
+            <a:xfrm>
+              <a:off x="2593068" y="2402346"/>
               <a:ext cx="200965" cy="132153"/>
             </a:xfrm>
             <a:prstGeom prst="rect">
@@ -2682,13 +2757,13 @@
         </p:sp>
         <p:sp>
           <p:nvSpPr>
-            <p:cNvPr id="16" name="tx16"/>
-            <p:cNvSpPr/>
-            <p:nvPr/>
-          </p:nvSpPr>
-          <p:spPr>
-            <a:xfrm>
-              <a:off x="1500209" y="2625113"/>
+            <p:cNvPr id="18" name="tx18"/>
+            <p:cNvSpPr/>
+            <p:nvPr/>
+          </p:nvSpPr>
+          <p:spPr>
+            <a:xfrm>
+              <a:off x="2452577" y="2625113"/>
               <a:ext cx="481947" cy="169559"/>
             </a:xfrm>
             <a:prstGeom prst="rect">
@@ -2721,20 +2796,112 @@
                   <a:latin typeface="Arial"/>
                   <a:cs typeface="Arial"/>
                 </a:rPr>
-                <a:t>(27%)</a:t>
+                <a:t>(21%)</a:t>
               </a:r>
             </a:p>
           </p:txBody>
         </p:sp>
         <p:sp>
           <p:nvSpPr>
-            <p:cNvPr id="17" name="tx17"/>
-            <p:cNvSpPr/>
-            <p:nvPr/>
-          </p:nvSpPr>
-          <p:spPr>
-            <a:xfrm>
-              <a:off x="2915414" y="4806383"/>
+            <p:cNvPr id="19" name="tx19"/>
+            <p:cNvSpPr/>
+            <p:nvPr/>
+          </p:nvSpPr>
+          <p:spPr>
+            <a:xfrm>
+              <a:off x="3647475" y="2402346"/>
+              <a:ext cx="200965" cy="132153"/>
+            </a:xfrm>
+            <a:prstGeom prst="rect">
+              <a:avLst/>
+            </a:prstGeom>
+            <a:noFill/>
+          </p:spPr>
+          <p:txBody>
+            <a:bodyPr lIns="0" rIns="0" tIns="0" bIns="0" anchorCtr="1" anchor="ctr" wrap="none"/>
+            <a:lstStyle/>
+            <a:p>
+              <a:pPr algn="l" marL="0" marR="0" indent="0">
+                <a:lnSpc>
+                  <a:spcPts val="1422"/>
+                </a:lnSpc>
+                <a:spcBef>
+                  <a:spcPts val="0"/>
+                </a:spcBef>
+                <a:spcAft>
+                  <a:spcPts val="0"/>
+                </a:spcAft>
+              </a:pPr>
+              <a:r>
+                <a:rPr sz="1422">
+                  <a:solidFill>
+                    <a:srgbClr val="000000">
+                      <a:alpha val="100000"/>
+                    </a:srgbClr>
+                  </a:solidFill>
+                  <a:latin typeface="Arial"/>
+                  <a:cs typeface="Arial"/>
+                </a:rPr>
+                <a:t>31</a:t>
+              </a:r>
+            </a:p>
+          </p:txBody>
+        </p:sp>
+        <p:sp>
+          <p:nvSpPr>
+            <p:cNvPr id="20" name="tx20"/>
+            <p:cNvSpPr/>
+            <p:nvPr/>
+          </p:nvSpPr>
+          <p:spPr>
+            <a:xfrm>
+              <a:off x="3506984" y="2625113"/>
+              <a:ext cx="481947" cy="169559"/>
+            </a:xfrm>
+            <a:prstGeom prst="rect">
+              <a:avLst/>
+            </a:prstGeom>
+            <a:noFill/>
+          </p:spPr>
+          <p:txBody>
+            <a:bodyPr lIns="0" rIns="0" tIns="0" bIns="0" anchorCtr="1" anchor="ctr" wrap="none"/>
+            <a:lstStyle/>
+            <a:p>
+              <a:pPr algn="l" marL="0" marR="0" indent="0">
+                <a:lnSpc>
+                  <a:spcPts val="1422"/>
+                </a:lnSpc>
+                <a:spcBef>
+                  <a:spcPts val="0"/>
+                </a:spcBef>
+                <a:spcAft>
+                  <a:spcPts val="0"/>
+                </a:spcAft>
+              </a:pPr>
+              <a:r>
+                <a:rPr sz="1422">
+                  <a:solidFill>
+                    <a:srgbClr val="000000">
+                      <a:alpha val="100000"/>
+                    </a:srgbClr>
+                  </a:solidFill>
+                  <a:latin typeface="Arial"/>
+                  <a:cs typeface="Arial"/>
+                </a:rPr>
+                <a:t>(21%)</a:t>
+              </a:r>
+            </a:p>
+          </p:txBody>
+        </p:sp>
+        <p:sp>
+          <p:nvSpPr>
+            <p:cNvPr id="21" name="tx21"/>
+            <p:cNvSpPr/>
+            <p:nvPr/>
+          </p:nvSpPr>
+          <p:spPr>
+            <a:xfrm>
+              <a:off x="4752124" y="4806383"/>
               <a:ext cx="100482" cy="127654"/>
             </a:xfrm>
             <a:prstGeom prst="rect">
@@ -2774,13 +2941,13 @@
         </p:sp>
         <p:sp>
           <p:nvSpPr>
-            <p:cNvPr id="18" name="tx18"/>
-            <p:cNvSpPr/>
-            <p:nvPr/>
-          </p:nvSpPr>
-          <p:spPr>
-            <a:xfrm>
-              <a:off x="2774924" y="5024651"/>
+            <p:cNvPr id="22" name="tx22"/>
+            <p:cNvSpPr/>
+            <p:nvPr/>
+          </p:nvSpPr>
+          <p:spPr>
+            <a:xfrm>
+              <a:off x="4611633" y="5024651"/>
               <a:ext cx="381464" cy="169559"/>
             </a:xfrm>
             <a:prstGeom prst="rect">
@@ -2813,20 +2980,20 @@
                   <a:latin typeface="Arial"/>
                   <a:cs typeface="Arial"/>
                 </a:rPr>
-                <a:t>(6%)</a:t>
+                <a:t>(5%)</a:t>
               </a:r>
             </a:p>
           </p:txBody>
         </p:sp>
         <p:sp>
           <p:nvSpPr>
-            <p:cNvPr id="19" name="tx19"/>
-            <p:cNvSpPr/>
-            <p:nvPr/>
-          </p:nvSpPr>
-          <p:spPr>
-            <a:xfrm>
-              <a:off x="4089646" y="3602204"/>
+            <p:cNvPr id="23" name="tx23"/>
+            <p:cNvSpPr/>
+            <p:nvPr/>
+          </p:nvSpPr>
+          <p:spPr>
+            <a:xfrm>
+              <a:off x="5756290" y="3602204"/>
               <a:ext cx="200965" cy="132065"/>
             </a:xfrm>
             <a:prstGeom prst="rect">
@@ -2866,13 +3033,13 @@
         </p:sp>
         <p:sp>
           <p:nvSpPr>
-            <p:cNvPr id="20" name="tx20"/>
-            <p:cNvSpPr/>
-            <p:nvPr/>
-          </p:nvSpPr>
-          <p:spPr>
-            <a:xfrm>
-              <a:off x="3949155" y="3824882"/>
+            <p:cNvPr id="24" name="tx24"/>
+            <p:cNvSpPr/>
+            <p:nvPr/>
+          </p:nvSpPr>
+          <p:spPr>
+            <a:xfrm>
+              <a:off x="5615799" y="3824882"/>
               <a:ext cx="481947" cy="169559"/>
             </a:xfrm>
             <a:prstGeom prst="rect">
@@ -2905,20 +3072,20 @@
                   <a:latin typeface="Arial"/>
                   <a:cs typeface="Arial"/>
                 </a:rPr>
-                <a:t>(17%)</a:t>
+                <a:t>(13%)</a:t>
               </a:r>
             </a:p>
           </p:txBody>
         </p:sp>
         <p:sp>
           <p:nvSpPr>
-            <p:cNvPr id="21" name="tx21"/>
-            <p:cNvSpPr/>
-            <p:nvPr/>
-          </p:nvSpPr>
-          <p:spPr>
-            <a:xfrm>
-              <a:off x="5314119" y="3602204"/>
+            <p:cNvPr id="25" name="tx25"/>
+            <p:cNvSpPr/>
+            <p:nvPr/>
+          </p:nvSpPr>
+          <p:spPr>
+            <a:xfrm>
+              <a:off x="6810697" y="3602204"/>
               <a:ext cx="200965" cy="132065"/>
             </a:xfrm>
             <a:prstGeom prst="rect">
@@ -2958,13 +3125,13 @@
         </p:sp>
         <p:sp>
           <p:nvSpPr>
-            <p:cNvPr id="22" name="tx22"/>
-            <p:cNvSpPr/>
-            <p:nvPr/>
-          </p:nvSpPr>
-          <p:spPr>
-            <a:xfrm>
-              <a:off x="5173628" y="3824882"/>
+            <p:cNvPr id="26" name="tx26"/>
+            <p:cNvSpPr/>
+            <p:nvPr/>
+          </p:nvSpPr>
+          <p:spPr>
+            <a:xfrm>
+              <a:off x="6670206" y="3824882"/>
               <a:ext cx="481947" cy="169559"/>
             </a:xfrm>
             <a:prstGeom prst="rect">
@@ -2997,20 +3164,20 @@
                   <a:latin typeface="Arial"/>
                   <a:cs typeface="Arial"/>
                 </a:rPr>
-                <a:t>(17%)</a:t>
+                <a:t>(13%)</a:t>
               </a:r>
             </a:p>
           </p:txBody>
         </p:sp>
         <p:sp>
           <p:nvSpPr>
-            <p:cNvPr id="23" name="tx23"/>
-            <p:cNvSpPr/>
-            <p:nvPr/>
-          </p:nvSpPr>
-          <p:spPr>
-            <a:xfrm>
-              <a:off x="6538592" y="1802462"/>
+            <p:cNvPr id="27" name="tx27"/>
+            <p:cNvSpPr/>
+            <p:nvPr/>
+          </p:nvSpPr>
+          <p:spPr>
+            <a:xfrm>
+              <a:off x="7865104" y="1802462"/>
               <a:ext cx="200965" cy="132153"/>
             </a:xfrm>
             <a:prstGeom prst="rect">
@@ -3050,13 +3217,13 @@
         </p:sp>
         <p:sp>
           <p:nvSpPr>
-            <p:cNvPr id="24" name="tx24"/>
-            <p:cNvSpPr/>
-            <p:nvPr/>
-          </p:nvSpPr>
-          <p:spPr>
-            <a:xfrm>
-              <a:off x="6398101" y="2025229"/>
+            <p:cNvPr id="28" name="tx28"/>
+            <p:cNvSpPr/>
+            <p:nvPr/>
+          </p:nvSpPr>
+          <p:spPr>
+            <a:xfrm>
+              <a:off x="7724614" y="2025229"/>
               <a:ext cx="481947" cy="169559"/>
             </a:xfrm>
             <a:prstGeom prst="rect">
@@ -3089,106 +3256,14 @@
                   <a:latin typeface="Arial"/>
                   <a:cs typeface="Arial"/>
                 </a:rPr>
-                <a:t>(32%)</a:t>
+                <a:t>(25%)</a:t>
               </a:r>
             </a:p>
           </p:txBody>
         </p:sp>
         <p:sp>
           <p:nvSpPr>
-            <p:cNvPr id="25" name="tx25"/>
-            <p:cNvSpPr/>
-            <p:nvPr/>
-          </p:nvSpPr>
-          <p:spPr>
-            <a:xfrm>
-              <a:off x="7813306" y="5304082"/>
-              <a:ext cx="100482" cy="129860"/>
-            </a:xfrm>
-            <a:prstGeom prst="rect">
-              <a:avLst/>
-            </a:prstGeom>
-            <a:noFill/>
-          </p:spPr>
-          <p:txBody>
-            <a:bodyPr lIns="0" rIns="0" tIns="0" bIns="0" anchorCtr="1" anchor="ctr" wrap="none"/>
-            <a:lstStyle/>
-            <a:p>
-              <a:pPr algn="l" marL="0" marR="0" indent="0">
-                <a:lnSpc>
-                  <a:spcPts val="1422"/>
-                </a:lnSpc>
-                <a:spcBef>
-                  <a:spcPts val="0"/>
-                </a:spcBef>
-                <a:spcAft>
-                  <a:spcPts val="0"/>
-                </a:spcAft>
-              </a:pPr>
-              <a:r>
-                <a:rPr sz="1422">
-                  <a:solidFill>
-                    <a:srgbClr val="000000">
-                      <a:alpha val="100000"/>
-                    </a:srgbClr>
-                  </a:solidFill>
-                  <a:latin typeface="Arial"/>
-                  <a:cs typeface="Arial"/>
-                </a:rPr>
-                <a:t>2</a:t>
-              </a:r>
-            </a:p>
-          </p:txBody>
-        </p:sp>
-        <p:sp>
-          <p:nvSpPr>
-            <p:cNvPr id="26" name="tx26"/>
-            <p:cNvSpPr/>
-            <p:nvPr/>
-          </p:nvSpPr>
-          <p:spPr>
-            <a:xfrm>
-              <a:off x="7672816" y="5524554"/>
-              <a:ext cx="381464" cy="169559"/>
-            </a:xfrm>
-            <a:prstGeom prst="rect">
-              <a:avLst/>
-            </a:prstGeom>
-            <a:noFill/>
-          </p:spPr>
-          <p:txBody>
-            <a:bodyPr lIns="0" rIns="0" tIns="0" bIns="0" anchorCtr="1" anchor="ctr" wrap="none"/>
-            <a:lstStyle/>
-            <a:p>
-              <a:pPr algn="l" marL="0" marR="0" indent="0">
-                <a:lnSpc>
-                  <a:spcPts val="1422"/>
-                </a:lnSpc>
-                <a:spcBef>
-                  <a:spcPts val="0"/>
-                </a:spcBef>
-                <a:spcAft>
-                  <a:spcPts val="0"/>
-                </a:spcAft>
-              </a:pPr>
-              <a:r>
-                <a:rPr sz="1422">
-                  <a:solidFill>
-                    <a:srgbClr val="000000">
-                      <a:alpha val="100000"/>
-                    </a:srgbClr>
-                  </a:solidFill>
-                  <a:latin typeface="Arial"/>
-                  <a:cs typeface="Arial"/>
-                </a:rPr>
-                <a:t>(2%)</a:t>
-              </a:r>
-            </a:p>
-          </p:txBody>
-        </p:sp>
-        <p:sp>
-          <p:nvSpPr>
-            <p:cNvPr id="27" name="pl27"/>
+            <p:cNvPr id="29" name="pl29"/>
             <p:cNvSpPr/>
             <p:nvPr/>
           </p:nvSpPr>
@@ -3228,7 +3303,7 @@
         </p:sp>
         <p:sp>
           <p:nvSpPr>
-            <p:cNvPr id="28" name="tx28"/>
+            <p:cNvPr id="30" name="tx30"/>
             <p:cNvSpPr/>
             <p:nvPr/>
           </p:nvSpPr>
@@ -3274,13 +3349,13 @@
         </p:sp>
         <p:sp>
           <p:nvSpPr>
-            <p:cNvPr id="29" name="tx29"/>
-            <p:cNvSpPr/>
-            <p:nvPr/>
-          </p:nvSpPr>
-          <p:spPr>
-            <a:xfrm>
-              <a:off x="754742" y="4882196"/>
+            <p:cNvPr id="31" name="tx31"/>
+            <p:cNvSpPr/>
+            <p:nvPr/>
+          </p:nvSpPr>
+          <p:spPr>
+            <a:xfrm>
+              <a:off x="754742" y="4572255"/>
               <a:ext cx="169515" cy="111397"/>
             </a:xfrm>
             <a:prstGeom prst="rect">
@@ -3320,13 +3395,13 @@
         </p:sp>
         <p:sp>
           <p:nvSpPr>
-            <p:cNvPr id="30" name="tx30"/>
-            <p:cNvSpPr/>
-            <p:nvPr/>
-          </p:nvSpPr>
-          <p:spPr>
-            <a:xfrm>
-              <a:off x="754742" y="3732417"/>
+            <p:cNvPr id="32" name="tx32"/>
+            <p:cNvSpPr/>
+            <p:nvPr/>
+          </p:nvSpPr>
+          <p:spPr>
+            <a:xfrm>
+              <a:off x="754742" y="3112537"/>
               <a:ext cx="169515" cy="111397"/>
             </a:xfrm>
             <a:prstGeom prst="rect">
@@ -3366,13 +3441,13 @@
         </p:sp>
         <p:sp>
           <p:nvSpPr>
-            <p:cNvPr id="31" name="tx31"/>
-            <p:cNvSpPr/>
-            <p:nvPr/>
-          </p:nvSpPr>
-          <p:spPr>
-            <a:xfrm>
-              <a:off x="754742" y="2582564"/>
+            <p:cNvPr id="33" name="tx33"/>
+            <p:cNvSpPr/>
+            <p:nvPr/>
+          </p:nvSpPr>
+          <p:spPr>
+            <a:xfrm>
+              <a:off x="754742" y="1652744"/>
               <a:ext cx="169515" cy="111472"/>
             </a:xfrm>
             <a:prstGeom prst="rect">
@@ -3412,53 +3487,7 @@
         </p:sp>
         <p:sp>
           <p:nvSpPr>
-            <p:cNvPr id="32" name="tx32"/>
-            <p:cNvSpPr/>
-            <p:nvPr/>
-          </p:nvSpPr>
-          <p:spPr>
-            <a:xfrm>
-              <a:off x="754742" y="1432860"/>
-              <a:ext cx="169515" cy="111397"/>
-            </a:xfrm>
-            <a:prstGeom prst="rect">
-              <a:avLst/>
-            </a:prstGeom>
-            <a:noFill/>
-          </p:spPr>
-          <p:txBody>
-            <a:bodyPr lIns="0" rIns="0" tIns="0" bIns="0" anchorCtr="1" anchor="ctr" wrap="none"/>
-            <a:lstStyle/>
-            <a:p>
-              <a:pPr algn="l" marL="0" marR="0" indent="0">
-                <a:lnSpc>
-                  <a:spcPts val="1200"/>
-                </a:lnSpc>
-                <a:spcBef>
-                  <a:spcPts val="0"/>
-                </a:spcBef>
-                <a:spcAft>
-                  <a:spcPts val="0"/>
-                </a:spcAft>
-              </a:pPr>
-              <a:r>
-                <a:rPr sz="1200">
-                  <a:solidFill>
-                    <a:srgbClr val="000000">
-                      <a:alpha val="100000"/>
-                    </a:srgbClr>
-                  </a:solidFill>
-                  <a:latin typeface="Arial"/>
-                  <a:cs typeface="Arial"/>
-                </a:rPr>
-                <a:t>40</a:t>
-              </a:r>
-            </a:p>
-          </p:txBody>
-        </p:sp>
-        <p:sp>
-          <p:nvSpPr>
-            <p:cNvPr id="33" name="pl33"/>
+            <p:cNvPr id="34" name="pl34"/>
             <p:cNvSpPr/>
             <p:nvPr/>
           </p:nvSpPr>
@@ -3498,13 +3527,13 @@
         </p:sp>
         <p:sp>
           <p:nvSpPr>
-            <p:cNvPr id="34" name="pl34"/>
-            <p:cNvSpPr/>
-            <p:nvPr/>
-          </p:nvSpPr>
-          <p:spPr>
-            <a:xfrm>
-              <a:off x="962215" y="4939048"/>
+            <p:cNvPr id="35" name="pl35"/>
+            <p:cNvSpPr/>
+            <p:nvPr/>
+          </p:nvSpPr>
+          <p:spPr>
+            <a:xfrm>
+              <a:off x="962215" y="4629108"/>
               <a:ext cx="44283" cy="0"/>
             </a:xfrm>
             <a:custGeom>
@@ -3538,13 +3567,13 @@
         </p:sp>
         <p:sp>
           <p:nvSpPr>
-            <p:cNvPr id="35" name="pl35"/>
-            <p:cNvSpPr/>
-            <p:nvPr/>
-          </p:nvSpPr>
-          <p:spPr>
-            <a:xfrm>
-              <a:off x="962215" y="3789270"/>
+            <p:cNvPr id="36" name="pl36"/>
+            <p:cNvSpPr/>
+            <p:nvPr/>
+          </p:nvSpPr>
+          <p:spPr>
+            <a:xfrm>
+              <a:off x="962215" y="3169389"/>
               <a:ext cx="44283" cy="0"/>
             </a:xfrm>
             <a:custGeom>
@@ -3578,13 +3607,13 @@
         </p:sp>
         <p:sp>
           <p:nvSpPr>
-            <p:cNvPr id="36" name="pl36"/>
-            <p:cNvSpPr/>
-            <p:nvPr/>
-          </p:nvSpPr>
-          <p:spPr>
-            <a:xfrm>
-              <a:off x="962215" y="2639491"/>
+            <p:cNvPr id="37" name="pl37"/>
+            <p:cNvSpPr/>
+            <p:nvPr/>
+          </p:nvSpPr>
+          <p:spPr>
+            <a:xfrm>
+              <a:off x="962215" y="1709670"/>
               <a:ext cx="44283" cy="0"/>
             </a:xfrm>
             <a:custGeom>
@@ -3618,46 +3647,6 @@
         </p:sp>
         <p:sp>
           <p:nvSpPr>
-            <p:cNvPr id="37" name="pl37"/>
-            <p:cNvSpPr/>
-            <p:nvPr/>
-          </p:nvSpPr>
-          <p:spPr>
-            <a:xfrm>
-              <a:off x="962215" y="1489713"/>
-              <a:ext cx="44283" cy="0"/>
-            </a:xfrm>
-            <a:custGeom>
-              <a:avLst/>
-              <a:pathLst>
-                <a:path w="44283" h="0">
-                  <a:moveTo>
-                    <a:pt x="0" y="0"/>
-                  </a:moveTo>
-                  <a:lnTo>
-                    <a:pt x="44283" y="0"/>
-                  </a:lnTo>
-                </a:path>
-              </a:pathLst>
-            </a:custGeom>
-            <a:ln w="13550" cap="flat">
-              <a:solidFill>
-                <a:srgbClr val="000000">
-                  <a:alpha val="100000"/>
-                </a:srgbClr>
-              </a:solidFill>
-              <a:prstDash val="solid"/>
-              <a:round/>
-            </a:ln>
-          </p:spPr>
-          <p:txBody>
-            <a:bodyPr/>
-            <a:lstStyle/>
-            <a:p/>
-          </p:txBody>
-        </p:sp>
-        <p:sp>
-          <p:nvSpPr>
             <p:cNvPr id="38" name="pl38"/>
             <p:cNvSpPr/>
             <p:nvPr/>
@@ -3704,7 +3693,7 @@
           </p:nvSpPr>
           <p:spPr>
             <a:xfrm>
-              <a:off x="1741183" y="6088827"/>
+              <a:off x="1639143" y="6088827"/>
               <a:ext cx="0" cy="44283"/>
             </a:xfrm>
             <a:custGeom>
@@ -3744,7 +3733,7 @@
           </p:nvSpPr>
           <p:spPr>
             <a:xfrm>
-              <a:off x="2965656" y="6088827"/>
+              <a:off x="2693551" y="6088827"/>
               <a:ext cx="0" cy="44283"/>
             </a:xfrm>
             <a:custGeom>
@@ -3784,7 +3773,7 @@
           </p:nvSpPr>
           <p:spPr>
             <a:xfrm>
-              <a:off x="4190129" y="6088827"/>
+              <a:off x="3747958" y="6088827"/>
               <a:ext cx="0" cy="44283"/>
             </a:xfrm>
             <a:custGeom>
@@ -3824,7 +3813,7 @@
           </p:nvSpPr>
           <p:spPr>
             <a:xfrm>
-              <a:off x="5414602" y="6088827"/>
+              <a:off x="4802365" y="6088827"/>
               <a:ext cx="0" cy="44283"/>
             </a:xfrm>
             <a:custGeom>
@@ -3864,7 +3853,7 @@
           </p:nvSpPr>
           <p:spPr>
             <a:xfrm>
-              <a:off x="6639075" y="6088827"/>
+              <a:off x="5856773" y="6088827"/>
               <a:ext cx="0" cy="44283"/>
             </a:xfrm>
             <a:custGeom>
@@ -3904,7 +3893,7 @@
           </p:nvSpPr>
           <p:spPr>
             <a:xfrm>
-              <a:off x="7863548" y="6088827"/>
+              <a:off x="6911180" y="6088827"/>
               <a:ext cx="0" cy="44283"/>
             </a:xfrm>
             <a:custGeom>
@@ -3938,14 +3927,54 @@
         </p:sp>
         <p:sp>
           <p:nvSpPr>
-            <p:cNvPr id="45" name="tx45"/>
-            <p:cNvSpPr/>
-            <p:nvPr/>
-          </p:nvSpPr>
-          <p:spPr>
-            <a:xfrm>
-              <a:off x="1355681" y="6169282"/>
-              <a:ext cx="771004" cy="110876"/>
+            <p:cNvPr id="45" name="pl45"/>
+            <p:cNvSpPr/>
+            <p:nvPr/>
+          </p:nvSpPr>
+          <p:spPr>
+            <a:xfrm>
+              <a:off x="7965587" y="6088827"/>
+              <a:ext cx="0" cy="44283"/>
+            </a:xfrm>
+            <a:custGeom>
+              <a:avLst/>
+              <a:pathLst>
+                <a:path w="0" h="44283">
+                  <a:moveTo>
+                    <a:pt x="0" y="44283"/>
+                  </a:moveTo>
+                  <a:lnTo>
+                    <a:pt x="0" y="0"/>
+                  </a:lnTo>
+                </a:path>
+              </a:pathLst>
+            </a:custGeom>
+            <a:ln w="13550" cap="flat">
+              <a:solidFill>
+                <a:srgbClr val="000000">
+                  <a:alpha val="100000"/>
+                </a:srgbClr>
+              </a:solidFill>
+              <a:prstDash val="solid"/>
+              <a:round/>
+            </a:ln>
+          </p:spPr>
+          <p:txBody>
+            <a:bodyPr/>
+            <a:lstStyle/>
+            <a:p/>
+          </p:txBody>
+        </p:sp>
+        <p:sp>
+          <p:nvSpPr>
+            <p:cNvPr id="46" name="tx46"/>
+            <p:cNvSpPr/>
+            <p:nvPr/>
+          </p:nvSpPr>
+          <p:spPr>
+            <a:xfrm>
+              <a:off x="1234889" y="6169282"/>
+              <a:ext cx="808508" cy="110876"/>
             </a:xfrm>
             <a:prstGeom prst="rect">
               <a:avLst/>
@@ -3977,21 +4006,21 @@
                   <a:latin typeface="Arial"/>
                   <a:cs typeface="Arial"/>
                 </a:rPr>
-                <a:t>Pas du tout</a:t>
+                <a:t>I don't know</a:t>
               </a:r>
             </a:p>
           </p:txBody>
         </p:sp>
         <p:sp>
           <p:nvSpPr>
-            <p:cNvPr id="46" name="tx46"/>
-            <p:cNvSpPr/>
-            <p:nvPr/>
-          </p:nvSpPr>
-          <p:spPr>
-            <a:xfrm>
-              <a:off x="2558983" y="6138400"/>
-              <a:ext cx="813345" cy="141758"/>
+            <p:cNvPr id="47" name="tx47"/>
+            <p:cNvSpPr/>
+            <p:nvPr/>
+          </p:nvSpPr>
+          <p:spPr>
+            <a:xfrm>
+              <a:off x="2210641" y="6140782"/>
+              <a:ext cx="965820" cy="139377"/>
             </a:xfrm>
             <a:prstGeom prst="rect">
               <a:avLst/>
@@ -4023,21 +4052,21 @@
                   <a:latin typeface="Arial"/>
                   <a:cs typeface="Arial"/>
                 </a:rPr>
-                <a:t>Légèrement</a:t>
+                <a:t>Not applicable</a:t>
               </a:r>
             </a:p>
           </p:txBody>
         </p:sp>
         <p:sp>
           <p:nvSpPr>
-            <p:cNvPr id="47" name="tx47"/>
-            <p:cNvSpPr/>
-            <p:nvPr/>
-          </p:nvSpPr>
-          <p:spPr>
-            <a:xfrm>
-              <a:off x="3762359" y="6168687"/>
-              <a:ext cx="855538" cy="111472"/>
+            <p:cNvPr id="48" name="tx48"/>
+            <p:cNvSpPr/>
+            <p:nvPr/>
+          </p:nvSpPr>
+          <p:spPr>
+            <a:xfrm>
+              <a:off x="3447251" y="6169282"/>
+              <a:ext cx="601414" cy="110876"/>
             </a:xfrm>
             <a:prstGeom prst="rect">
               <a:avLst/>
@@ -4069,21 +4098,21 @@
                   <a:latin typeface="Arial"/>
                   <a:cs typeface="Arial"/>
                 </a:rPr>
-                <a:t>Modérément</a:t>
+                <a:t>Not at all</a:t>
               </a:r>
             </a:p>
           </p:txBody>
         </p:sp>
         <p:sp>
           <p:nvSpPr>
-            <p:cNvPr id="48" name="tx48"/>
-            <p:cNvSpPr/>
-            <p:nvPr/>
-          </p:nvSpPr>
-          <p:spPr>
-            <a:xfrm>
-              <a:off x="5071404" y="6140782"/>
-              <a:ext cx="686395" cy="139377"/>
+            <p:cNvPr id="49" name="tx49"/>
+            <p:cNvSpPr/>
+            <p:nvPr/>
+          </p:nvSpPr>
+          <p:spPr>
+            <a:xfrm>
+              <a:off x="4556724" y="6137135"/>
+              <a:ext cx="491281" cy="143023"/>
             </a:xfrm>
             <a:prstGeom prst="rect">
               <a:avLst/>
@@ -4115,21 +4144,21 @@
                   <a:latin typeface="Arial"/>
                   <a:cs typeface="Arial"/>
                 </a:rPr>
-                <a:t>Beaucoup</a:t>
+                <a:t>Slightly</a:t>
               </a:r>
             </a:p>
           </p:txBody>
         </p:sp>
         <p:sp>
           <p:nvSpPr>
-            <p:cNvPr id="49" name="tx49"/>
-            <p:cNvSpPr/>
-            <p:nvPr/>
-          </p:nvSpPr>
-          <p:spPr>
-            <a:xfrm>
-              <a:off x="6185968" y="6168687"/>
-              <a:ext cx="906214" cy="111472"/>
+            <p:cNvPr id="50" name="tx50"/>
+            <p:cNvSpPr/>
+            <p:nvPr/>
+          </p:nvSpPr>
+          <p:spPr>
+            <a:xfrm>
+              <a:off x="5479828" y="6138996"/>
+              <a:ext cx="753888" cy="141163"/>
             </a:xfrm>
             <a:prstGeom prst="rect">
               <a:avLst/>
@@ -4161,21 +4190,21 @@
                   <a:latin typeface="Arial"/>
                   <a:cs typeface="Arial"/>
                 </a:rPr>
-                <a:t>Extrêmement</a:t>
+                <a:t>Moderately</a:t>
               </a:r>
             </a:p>
           </p:txBody>
         </p:sp>
         <p:sp>
           <p:nvSpPr>
-            <p:cNvPr id="50" name="tx50"/>
-            <p:cNvSpPr/>
-            <p:nvPr/>
-          </p:nvSpPr>
-          <p:spPr>
-            <a:xfrm>
-              <a:off x="7376433" y="6140782"/>
-              <a:ext cx="974228" cy="139377"/>
+            <p:cNvPr id="51" name="tx51"/>
+            <p:cNvSpPr/>
+            <p:nvPr/>
+          </p:nvSpPr>
+          <p:spPr>
+            <a:xfrm>
+              <a:off x="6758705" y="6169282"/>
+              <a:ext cx="304948" cy="110876"/>
             </a:xfrm>
             <a:prstGeom prst="rect">
               <a:avLst/>
@@ -4207,14 +4236,60 @@
                   <a:latin typeface="Arial"/>
                   <a:cs typeface="Arial"/>
                 </a:rPr>
-                <a:t>Je ne sais pas</a:t>
+                <a:t>A lot</a:t>
               </a:r>
             </a:p>
           </p:txBody>
         </p:sp>
         <p:sp>
           <p:nvSpPr>
-            <p:cNvPr id="51" name="tx51"/>
+            <p:cNvPr id="52" name="tx52"/>
+            <p:cNvSpPr/>
+            <p:nvPr/>
+          </p:nvSpPr>
+          <p:spPr>
+            <a:xfrm>
+              <a:off x="7626854" y="6138996"/>
+              <a:ext cx="677465" cy="141163"/>
+            </a:xfrm>
+            <a:prstGeom prst="rect">
+              <a:avLst/>
+            </a:prstGeom>
+            <a:noFill/>
+          </p:spPr>
+          <p:txBody>
+            <a:bodyPr lIns="0" rIns="0" tIns="0" bIns="0" anchorCtr="1" anchor="ctr" wrap="none"/>
+            <a:lstStyle/>
+            <a:p>
+              <a:pPr algn="l" marL="0" marR="0" indent="0">
+                <a:lnSpc>
+                  <a:spcPts val="1200"/>
+                </a:lnSpc>
+                <a:spcBef>
+                  <a:spcPts val="0"/>
+                </a:spcBef>
+                <a:spcAft>
+                  <a:spcPts val="0"/>
+                </a:spcAft>
+              </a:pPr>
+              <a:r>
+                <a:rPr sz="1200">
+                  <a:solidFill>
+                    <a:srgbClr val="000000">
+                      <a:alpha val="100000"/>
+                    </a:srgbClr>
+                  </a:solidFill>
+                  <a:latin typeface="Arial"/>
+                  <a:cs typeface="Arial"/>
+                </a:rPr>
+                <a:t>Extremely</a:t>
+              </a:r>
+            </a:p>
+          </p:txBody>
+        </p:sp>
+        <p:sp>
+          <p:nvSpPr>
+            <p:cNvPr id="53" name="tx53"/>
             <p:cNvSpPr/>
             <p:nvPr/>
           </p:nvSpPr>
@@ -4260,14 +4335,14 @@
         </p:sp>
         <p:sp>
           <p:nvSpPr>
-            <p:cNvPr id="52" name="tx52"/>
+            <p:cNvPr id="54" name="tx54"/>
             <p:cNvSpPr/>
             <p:nvPr/>
           </p:nvSpPr>
           <p:spPr>
             <a:xfrm>
               <a:off x="1006499" y="957724"/>
-              <a:ext cx="5357713" cy="190698"/>
+              <a:ext cx="5301257" cy="190698"/>
             </a:xfrm>
             <a:prstGeom prst="rect">
               <a:avLst/>
@@ -4299,7 +4374,7 @@
                   <a:latin typeface="Arial"/>
                   <a:cs typeface="Arial"/>
                 </a:rPr>
-                <a:t>Impact of the psychosis disorder on education (N=115).</a:t>
+                <a:t>Impact of the psychosis disorder on education (N=146)</a:t>
               </a:r>
             </a:p>
           </p:txBody>

--- a/results/figures/pptx/impact_education.pptx
+++ b/results/figures/pptx/impact_education.pptx
@@ -2314,7 +2314,7 @@
           </p:nvSpPr>
           <p:spPr>
             <a:xfrm>
-              <a:off x="1006499" y="4629108"/>
+              <a:off x="1006499" y="4619387"/>
               <a:ext cx="7591732" cy="0"/>
             </a:xfrm>
             <a:custGeom>
@@ -2357,7 +2357,7 @@
           </p:nvSpPr>
           <p:spPr>
             <a:xfrm>
-              <a:off x="1006499" y="3169389"/>
+              <a:off x="1006499" y="3149948"/>
               <a:ext cx="7591732" cy="0"/>
             </a:xfrm>
             <a:custGeom>
@@ -2400,7 +2400,7 @@
           </p:nvSpPr>
           <p:spPr>
             <a:xfrm>
-              <a:off x="1006499" y="1709670"/>
+              <a:off x="1006499" y="1680509"/>
               <a:ext cx="7591732" cy="0"/>
             </a:xfrm>
             <a:custGeom>
@@ -2443,8 +2443,8 @@
           </p:nvSpPr>
           <p:spPr>
             <a:xfrm>
-              <a:off x="1164660" y="5888865"/>
-              <a:ext cx="948966" cy="199961"/>
+              <a:off x="1164660" y="5780553"/>
+              <a:ext cx="948966" cy="308273"/>
             </a:xfrm>
             <a:prstGeom prst="rect">
               <a:avLst/>
@@ -2469,8 +2469,8 @@
           </p:nvSpPr>
           <p:spPr>
             <a:xfrm>
-              <a:off x="2219067" y="2989424"/>
-              <a:ext cx="948966" cy="3099402"/>
+              <a:off x="2219067" y="2903329"/>
+              <a:ext cx="948966" cy="3185497"/>
             </a:xfrm>
             <a:prstGeom prst="rect">
               <a:avLst/>
@@ -2495,8 +2495,8 @@
           </p:nvSpPr>
           <p:spPr>
             <a:xfrm>
-              <a:off x="3273475" y="2989424"/>
-              <a:ext cx="948966" cy="3099402"/>
+              <a:off x="3273475" y="3108845"/>
+              <a:ext cx="948966" cy="2979981"/>
             </a:xfrm>
             <a:prstGeom prst="rect">
               <a:avLst/>
@@ -2521,8 +2521,8 @@
           </p:nvSpPr>
           <p:spPr>
             <a:xfrm>
-              <a:off x="4327882" y="5388961"/>
-              <a:ext cx="948966" cy="699865"/>
+              <a:off x="4327882" y="5369521"/>
+              <a:ext cx="948966" cy="719305"/>
             </a:xfrm>
             <a:prstGeom prst="rect">
               <a:avLst/>
@@ -2547,8 +2547,8 @@
           </p:nvSpPr>
           <p:spPr>
             <a:xfrm>
-              <a:off x="5382289" y="4189193"/>
-              <a:ext cx="948966" cy="1899633"/>
+              <a:off x="5382289" y="4136425"/>
+              <a:ext cx="948966" cy="1952401"/>
             </a:xfrm>
             <a:prstGeom prst="rect">
               <a:avLst/>
@@ -2573,8 +2573,8 @@
           </p:nvSpPr>
           <p:spPr>
             <a:xfrm>
-              <a:off x="6436697" y="4189193"/>
-              <a:ext cx="948966" cy="1899633"/>
+              <a:off x="6436697" y="4239183"/>
+              <a:ext cx="948966" cy="1849643"/>
             </a:xfrm>
             <a:prstGeom prst="rect">
               <a:avLst/>
@@ -2625,8 +2625,8 @@
           </p:nvSpPr>
           <p:spPr>
             <a:xfrm>
-              <a:off x="1588902" y="5304082"/>
-              <a:ext cx="100482" cy="129860"/>
+              <a:off x="1588902" y="5193475"/>
+              <a:ext cx="100482" cy="132153"/>
             </a:xfrm>
             <a:prstGeom prst="rect">
               <a:avLst/>
@@ -2658,7 +2658,7 @@
                   <a:latin typeface="Arial"/>
                   <a:cs typeface="Arial"/>
                 </a:rPr>
-                <a:t>2</a:t>
+                <a:t>3</a:t>
               </a:r>
             </a:p>
           </p:txBody>
@@ -2671,7 +2671,7 @@
           </p:nvSpPr>
           <p:spPr>
             <a:xfrm>
-              <a:off x="1448411" y="5524554"/>
+              <a:off x="1448411" y="5416242"/>
               <a:ext cx="381464" cy="169559"/>
             </a:xfrm>
             <a:prstGeom prst="rect">
@@ -2704,7 +2704,7 @@
                   <a:latin typeface="Arial"/>
                   <a:cs typeface="Arial"/>
                 </a:rPr>
-                <a:t>(1%)</a:t>
+                <a:t>(2%)</a:t>
               </a:r>
             </a:p>
           </p:txBody>
@@ -2717,7 +2717,7 @@
           </p:nvSpPr>
           <p:spPr>
             <a:xfrm>
-              <a:off x="2593068" y="2402346"/>
+              <a:off x="2593068" y="2316252"/>
               <a:ext cx="200965" cy="132153"/>
             </a:xfrm>
             <a:prstGeom prst="rect">
@@ -2763,7 +2763,7 @@
           </p:nvSpPr>
           <p:spPr>
             <a:xfrm>
-              <a:off x="2452577" y="2625113"/>
+              <a:off x="2452577" y="2539019"/>
               <a:ext cx="481947" cy="169559"/>
             </a:xfrm>
             <a:prstGeom prst="rect">
@@ -2796,7 +2796,7 @@
                   <a:latin typeface="Arial"/>
                   <a:cs typeface="Arial"/>
                 </a:rPr>
-                <a:t>(21%)</a:t>
+                <a:t>(22%)</a:t>
               </a:r>
             </a:p>
           </p:txBody>
@@ -2809,8 +2809,8 @@
           </p:nvSpPr>
           <p:spPr>
             <a:xfrm>
-              <a:off x="3647475" y="2402346"/>
-              <a:ext cx="200965" cy="132153"/>
+              <a:off x="3647475" y="2521856"/>
+              <a:ext cx="200965" cy="132065"/>
             </a:xfrm>
             <a:prstGeom prst="rect">
               <a:avLst/>
@@ -2842,7 +2842,7 @@
                   <a:latin typeface="Arial"/>
                   <a:cs typeface="Arial"/>
                 </a:rPr>
-                <a:t>31</a:t>
+                <a:t>29</a:t>
               </a:r>
             </a:p>
           </p:txBody>
@@ -2855,7 +2855,7 @@
           </p:nvSpPr>
           <p:spPr>
             <a:xfrm>
-              <a:off x="3506984" y="2625113"/>
+              <a:off x="3506984" y="2744535"/>
               <a:ext cx="481947" cy="169559"/>
             </a:xfrm>
             <a:prstGeom prst="rect">
@@ -2888,7 +2888,7 @@
                   <a:latin typeface="Arial"/>
                   <a:cs typeface="Arial"/>
                 </a:rPr>
-                <a:t>(21%)</a:t>
+                <a:t>(20%)</a:t>
               </a:r>
             </a:p>
           </p:txBody>
@@ -2901,7 +2901,7 @@
           </p:nvSpPr>
           <p:spPr>
             <a:xfrm>
-              <a:off x="4752124" y="4806383"/>
+              <a:off x="4752124" y="4786943"/>
               <a:ext cx="100482" cy="127654"/>
             </a:xfrm>
             <a:prstGeom prst="rect">
@@ -2947,7 +2947,7 @@
           </p:nvSpPr>
           <p:spPr>
             <a:xfrm>
-              <a:off x="4611633" y="5024651"/>
+              <a:off x="4611633" y="5005210"/>
               <a:ext cx="381464" cy="169559"/>
             </a:xfrm>
             <a:prstGeom prst="rect">
@@ -2993,7 +2993,7 @@
           </p:nvSpPr>
           <p:spPr>
             <a:xfrm>
-              <a:off x="5756290" y="3602204"/>
+              <a:off x="5756290" y="3549436"/>
               <a:ext cx="200965" cy="132065"/>
             </a:xfrm>
             <a:prstGeom prst="rect">
@@ -3039,7 +3039,7 @@
           </p:nvSpPr>
           <p:spPr>
             <a:xfrm>
-              <a:off x="5615799" y="3824882"/>
+              <a:off x="5615799" y="3772114"/>
               <a:ext cx="481947" cy="169559"/>
             </a:xfrm>
             <a:prstGeom prst="rect">
@@ -3085,7 +3085,7 @@
           </p:nvSpPr>
           <p:spPr>
             <a:xfrm>
-              <a:off x="6810697" y="3602204"/>
+              <a:off x="6810697" y="3652194"/>
               <a:ext cx="200965" cy="132065"/>
             </a:xfrm>
             <a:prstGeom prst="rect">
@@ -3118,7 +3118,7 @@
                   <a:latin typeface="Arial"/>
                   <a:cs typeface="Arial"/>
                 </a:rPr>
-                <a:t>19</a:t>
+                <a:t>18</a:t>
               </a:r>
             </a:p>
           </p:txBody>
@@ -3131,7 +3131,7 @@
           </p:nvSpPr>
           <p:spPr>
             <a:xfrm>
-              <a:off x="6670206" y="3824882"/>
+              <a:off x="6670206" y="3874872"/>
               <a:ext cx="481947" cy="169559"/>
             </a:xfrm>
             <a:prstGeom prst="rect">
@@ -3210,7 +3210,7 @@
                   <a:latin typeface="Arial"/>
                   <a:cs typeface="Arial"/>
                 </a:rPr>
-                <a:t>37</a:t>
+                <a:t>36</a:t>
               </a:r>
             </a:p>
           </p:txBody>
@@ -3355,7 +3355,7 @@
           </p:nvSpPr>
           <p:spPr>
             <a:xfrm>
-              <a:off x="754742" y="4572255"/>
+              <a:off x="754742" y="4562535"/>
               <a:ext cx="169515" cy="111397"/>
             </a:xfrm>
             <a:prstGeom prst="rect">
@@ -3401,7 +3401,7 @@
           </p:nvSpPr>
           <p:spPr>
             <a:xfrm>
-              <a:off x="754742" y="3112537"/>
+              <a:off x="754742" y="3093096"/>
               <a:ext cx="169515" cy="111397"/>
             </a:xfrm>
             <a:prstGeom prst="rect">
@@ -3447,7 +3447,7 @@
           </p:nvSpPr>
           <p:spPr>
             <a:xfrm>
-              <a:off x="754742" y="1652744"/>
+              <a:off x="754742" y="1623583"/>
               <a:ext cx="169515" cy="111472"/>
             </a:xfrm>
             <a:prstGeom prst="rect">
@@ -3533,7 +3533,7 @@
           </p:nvSpPr>
           <p:spPr>
             <a:xfrm>
-              <a:off x="962215" y="4629108"/>
+              <a:off x="962215" y="4619387"/>
               <a:ext cx="44283" cy="0"/>
             </a:xfrm>
             <a:custGeom>
@@ -3573,7 +3573,7 @@
           </p:nvSpPr>
           <p:spPr>
             <a:xfrm>
-              <a:off x="962215" y="3169389"/>
+              <a:off x="962215" y="3149948"/>
               <a:ext cx="44283" cy="0"/>
             </a:xfrm>
             <a:custGeom>
@@ -3613,7 +3613,7 @@
           </p:nvSpPr>
           <p:spPr>
             <a:xfrm>
-              <a:off x="962215" y="1709670"/>
+              <a:off x="962215" y="1680509"/>
               <a:ext cx="44283" cy="0"/>
             </a:xfrm>
             <a:custGeom>
@@ -4374,7 +4374,7 @@
                   <a:latin typeface="Arial"/>
                   <a:cs typeface="Arial"/>
                 </a:rPr>
-                <a:t>Impact of the psychosis disorder on education (N=146)</a:t>
+                <a:t>Impact of the psychosis disorder on education (N=143)</a:t>
               </a:r>
             </a:p>
           </p:txBody>
